--- a/Day 9 & 10/1. Servlets/Slides/4. Handling HTTP Requests and Responses/4-java-servlets-m4.pptx
+++ b/Day 9 & 10/1. Servlets/Slides/4. Handling HTTP Requests and Responses/4-java-servlets-m4.pptx
@@ -3,27 +3,27 @@
 <p:presentation xmlns:a="http://schemas.openxmlformats.org/drawingml/2006/main" xmlns:r="http://schemas.openxmlformats.org/officeDocument/2006/relationships" xmlns:p="http://schemas.openxmlformats.org/presentationml/2006/main">
   <p:sldMasterIdLst>
     <p:sldMasterId id="2147483648" r:id="rId1"/>
-    <p:sldMasterId id="2147483654" r:id="rId3"/>
+    <p:sldMasterId id="2147483654" r:id="rId2"/>
   </p:sldMasterIdLst>
   <p:notesMasterIdLst>
-    <p:notesMasterId r:id="rId19"/>
+    <p:notesMasterId r:id="rId18"/>
   </p:notesMasterIdLst>
   <p:sldIdLst>
-    <p:sldId id="256" r:id="rId4"/>
-    <p:sldId id="257" r:id="rId5"/>
-    <p:sldId id="258" r:id="rId6"/>
-    <p:sldId id="259" r:id="rId7"/>
-    <p:sldId id="269" r:id="rId8"/>
-    <p:sldId id="260" r:id="rId9"/>
-    <p:sldId id="261" r:id="rId10"/>
-    <p:sldId id="270" r:id="rId11"/>
-    <p:sldId id="262" r:id="rId12"/>
-    <p:sldId id="263" r:id="rId13"/>
-    <p:sldId id="264" r:id="rId14"/>
-    <p:sldId id="265" r:id="rId15"/>
-    <p:sldId id="266" r:id="rId16"/>
-    <p:sldId id="267" r:id="rId17"/>
-    <p:sldId id="268" r:id="rId18"/>
+    <p:sldId id="256" r:id="rId3"/>
+    <p:sldId id="257" r:id="rId4"/>
+    <p:sldId id="258" r:id="rId5"/>
+    <p:sldId id="259" r:id="rId6"/>
+    <p:sldId id="269" r:id="rId7"/>
+    <p:sldId id="260" r:id="rId8"/>
+    <p:sldId id="261" r:id="rId9"/>
+    <p:sldId id="270" r:id="rId10"/>
+    <p:sldId id="262" r:id="rId11"/>
+    <p:sldId id="263" r:id="rId12"/>
+    <p:sldId id="264" r:id="rId13"/>
+    <p:sldId id="265" r:id="rId14"/>
+    <p:sldId id="266" r:id="rId15"/>
+    <p:sldId id="267" r:id="rId16"/>
+    <p:sldId id="268" r:id="rId17"/>
   </p:sldIdLst>
   <p:sldSz cx="12192000" cy="6858000"/>
   <p:notesSz cx="12192000" cy="6858000"/>
@@ -119,6 +119,22 @@
       </a:defRPr>
     </a:lvl9pPr>
   </p:defaultTextStyle>
+  <p:extLst>
+    <p:ext uri="{EFAFB233-063F-42B5-8137-9DF3F51BA10A}">
+      <p15:sldGuideLst xmlns:p15="http://schemas.microsoft.com/office/powerpoint/2012/main">
+        <p15:guide id="1" orient="horz" pos="2880">
+          <p15:clr>
+            <a:srgbClr val="A4A3A4"/>
+          </p15:clr>
+        </p15:guide>
+        <p15:guide id="2" pos="2160">
+          <p15:clr>
+            <a:srgbClr val="A4A3A4"/>
+          </p15:clr>
+        </p15:guide>
+      </p15:sldGuideLst>
+    </p:ext>
+  </p:extLst>
 </p:presentation>
 </file>
 
@@ -204,6 +220,7 @@
           <a:p>
             <a:fld id="{3EFD42F7-718C-4B98-AAEC-167E6DDD60A7}" type="datetimeFigureOut">
               <a:rPr lang="en-US" smtClean="0"/>
+              <a:t>8/17/2023</a:t>
             </a:fld>
             <a:endParaRPr lang="en-US"/>
           </a:p>
@@ -267,42 +284,37 @@
           <a:p>
             <a:pPr lvl="0"/>
             <a:r>
-              <a:rPr lang="en-US" smtClean="0"/>
+              <a:rPr lang="en-US"/>
               <a:t>Click to edit Master text styles</a:t>
             </a:r>
-            <a:endParaRPr lang="en-US" smtClean="0"/>
           </a:p>
           <a:p>
             <a:pPr lvl="1"/>
             <a:r>
-              <a:rPr lang="en-US" smtClean="0"/>
+              <a:rPr lang="en-US"/>
               <a:t>Second level</a:t>
             </a:r>
-            <a:endParaRPr lang="en-US" smtClean="0"/>
           </a:p>
           <a:p>
             <a:pPr lvl="2"/>
             <a:r>
-              <a:rPr lang="en-US" smtClean="0"/>
+              <a:rPr lang="en-US"/>
               <a:t>Third level</a:t>
             </a:r>
-            <a:endParaRPr lang="en-US" smtClean="0"/>
           </a:p>
           <a:p>
             <a:pPr lvl="3"/>
             <a:r>
-              <a:rPr lang="en-US" smtClean="0"/>
+              <a:rPr lang="en-US"/>
               <a:t>Fourth level</a:t>
             </a:r>
-            <a:endParaRPr lang="en-US" smtClean="0"/>
           </a:p>
           <a:p>
             <a:pPr lvl="4"/>
             <a:r>
-              <a:rPr lang="en-US" smtClean="0"/>
+              <a:rPr lang="en-US"/>
               <a:t>Fifth level</a:t>
             </a:r>
-            <a:endParaRPr lang="en-US"/>
           </a:p>
         </p:txBody>
       </p:sp>
@@ -366,6 +378,7 @@
           <a:p>
             <a:fld id="{21B2AA4F-B828-4D7C-AFD3-893933DAFCB4}" type="slidenum">
               <a:rPr lang="en-US" smtClean="0"/>
+              <a:t>‹#›</a:t>
             </a:fld>
             <a:endParaRPr lang="en-US"/>
           </a:p>
@@ -514,7 +527,9 @@
               <a:defRPr/>
             </a:lvl1pPr>
           </a:lstStyle>
-          <a:p/>
+          <a:p>
+            <a:endParaRPr/>
+          </a:p>
         </p:txBody>
       </p:sp>
       <p:sp>
@@ -545,7 +560,9 @@
               <a:defRPr/>
             </a:lvl1pPr>
           </a:lstStyle>
-          <a:p/>
+          <a:p>
+            <a:endParaRPr/>
+          </a:p>
         </p:txBody>
       </p:sp>
       <p:sp>
@@ -572,7 +589,9 @@
               </a:defRPr>
             </a:lvl1pPr>
           </a:lstStyle>
-          <a:p/>
+          <a:p>
+            <a:endParaRPr/>
+          </a:p>
         </p:txBody>
       </p:sp>
       <p:sp>
@@ -602,6 +621,7 @@
           <a:p>
             <a:fld id="{1D8BD707-D9CF-40AE-B4C6-C98DA3205C09}" type="datetimeFigureOut">
               <a:rPr lang="en-US"/>
+              <a:t>8/17/2023</a:t>
             </a:fld>
             <a:endParaRPr lang="en-US"/>
           </a:p>
@@ -634,6 +654,7 @@
           <a:p>
             <a:fld id="{B6F15528-21DE-4FAA-801E-634DDDAF4B2B}" type="slidenum">
               <a:rPr/>
+              <a:t>‹#›</a:t>
             </a:fld>
             <a:endParaRPr/>
           </a:p>
@@ -689,7 +710,9 @@
               </a:defRPr>
             </a:lvl1pPr>
           </a:lstStyle>
-          <a:p/>
+          <a:p>
+            <a:endParaRPr/>
+          </a:p>
         </p:txBody>
       </p:sp>
       <p:sp>
@@ -719,6 +742,7 @@
           <a:p>
             <a:fld id="{1D8BD707-D9CF-40AE-B4C6-C98DA3205C09}" type="datetimeFigureOut">
               <a:rPr lang="en-US"/>
+              <a:t>8/17/2023</a:t>
             </a:fld>
             <a:endParaRPr lang="en-US"/>
           </a:p>
@@ -751,6 +775,7 @@
           <a:p>
             <a:fld id="{B6F15528-21DE-4FAA-801E-634DDDAF4B2B}" type="slidenum">
               <a:rPr/>
+              <a:t>‹#›</a:t>
             </a:fld>
             <a:endParaRPr/>
           </a:p>
@@ -806,7 +831,9 @@
               </a:defRPr>
             </a:lvl1pPr>
           </a:lstStyle>
-          <a:p/>
+          <a:p>
+            <a:endParaRPr/>
+          </a:p>
         </p:txBody>
       </p:sp>
       <p:sp>
@@ -827,7 +854,9 @@
               <a:defRPr/>
             </a:lvl1pPr>
           </a:lstStyle>
-          <a:p/>
+          <a:p>
+            <a:endParaRPr/>
+          </a:p>
         </p:txBody>
       </p:sp>
       <p:sp>
@@ -854,7 +883,9 @@
               </a:defRPr>
             </a:lvl1pPr>
           </a:lstStyle>
-          <a:p/>
+          <a:p>
+            <a:endParaRPr/>
+          </a:p>
         </p:txBody>
       </p:sp>
       <p:sp>
@@ -884,6 +915,7 @@
           <a:p>
             <a:fld id="{1D8BD707-D9CF-40AE-B4C6-C98DA3205C09}" type="datetimeFigureOut">
               <a:rPr lang="en-US"/>
+              <a:t>8/17/2023</a:t>
             </a:fld>
             <a:endParaRPr lang="en-US"/>
           </a:p>
@@ -916,6 +948,7 @@
           <a:p>
             <a:fld id="{B6F15528-21DE-4FAA-801E-634DDDAF4B2B}" type="slidenum">
               <a:rPr/>
+              <a:t>‹#›</a:t>
             </a:fld>
             <a:endParaRPr/>
           </a:p>
@@ -971,7 +1004,9 @@
               </a:defRPr>
             </a:lvl1pPr>
           </a:lstStyle>
-          <a:p/>
+          <a:p>
+            <a:endParaRPr/>
+          </a:p>
         </p:txBody>
       </p:sp>
       <p:sp>
@@ -1002,7 +1037,9 @@
               <a:defRPr/>
             </a:lvl1pPr>
           </a:lstStyle>
-          <a:p/>
+          <a:p>
+            <a:endParaRPr/>
+          </a:p>
         </p:txBody>
       </p:sp>
       <p:sp>
@@ -1033,7 +1070,9 @@
               <a:defRPr/>
             </a:lvl1pPr>
           </a:lstStyle>
-          <a:p/>
+          <a:p>
+            <a:endParaRPr/>
+          </a:p>
         </p:txBody>
       </p:sp>
       <p:sp>
@@ -1060,7 +1099,9 @@
               </a:defRPr>
             </a:lvl1pPr>
           </a:lstStyle>
-          <a:p/>
+          <a:p>
+            <a:endParaRPr/>
+          </a:p>
         </p:txBody>
       </p:sp>
       <p:sp>
@@ -1090,6 +1131,7 @@
           <a:p>
             <a:fld id="{1D8BD707-D9CF-40AE-B4C6-C98DA3205C09}" type="datetimeFigureOut">
               <a:rPr lang="en-US"/>
+              <a:t>8/17/2023</a:t>
             </a:fld>
             <a:endParaRPr lang="en-US"/>
           </a:p>
@@ -1122,6 +1164,7 @@
           <a:p>
             <a:fld id="{B6F15528-21DE-4FAA-801E-634DDDAF4B2B}" type="slidenum">
               <a:rPr/>
+              <a:t>‹#›</a:t>
             </a:fld>
             <a:endParaRPr/>
           </a:p>
@@ -1177,7 +1220,9 @@
               </a:defRPr>
             </a:lvl1pPr>
           </a:lstStyle>
-          <a:p/>
+          <a:p>
+            <a:endParaRPr/>
+          </a:p>
         </p:txBody>
       </p:sp>
       <p:sp>
@@ -1204,7 +1249,9 @@
               </a:defRPr>
             </a:lvl1pPr>
           </a:lstStyle>
-          <a:p/>
+          <a:p>
+            <a:endParaRPr/>
+          </a:p>
         </p:txBody>
       </p:sp>
       <p:sp>
@@ -1234,6 +1281,7 @@
           <a:p>
             <a:fld id="{1D8BD707-D9CF-40AE-B4C6-C98DA3205C09}" type="datetimeFigureOut">
               <a:rPr lang="en-US"/>
+              <a:t>8/17/2023</a:t>
             </a:fld>
             <a:endParaRPr lang="en-US"/>
           </a:p>
@@ -1266,6 +1314,7 @@
           <a:p>
             <a:fld id="{B6F15528-21DE-4FAA-801E-634DDDAF4B2B}" type="slidenum">
               <a:rPr/>
+              <a:t>‹#›</a:t>
             </a:fld>
             <a:endParaRPr/>
           </a:p>
@@ -1321,7 +1370,9 @@
               </a:defRPr>
             </a:lvl1pPr>
           </a:lstStyle>
-          <a:p/>
+          <a:p>
+            <a:endParaRPr/>
+          </a:p>
         </p:txBody>
       </p:sp>
       <p:sp>
@@ -1351,6 +1402,7 @@
           <a:p>
             <a:fld id="{1D8BD707-D9CF-40AE-B4C6-C98DA3205C09}" type="datetimeFigureOut">
               <a:rPr lang="en-US"/>
+              <a:t>8/17/2023</a:t>
             </a:fld>
             <a:endParaRPr lang="en-US"/>
           </a:p>
@@ -1383,6 +1435,7 @@
           <a:p>
             <a:fld id="{B6F15528-21DE-4FAA-801E-634DDDAF4B2B}" type="slidenum">
               <a:rPr/>
+              <a:t>‹#›</a:t>
             </a:fld>
             <a:endParaRPr/>
           </a:p>
@@ -1446,7 +1499,9 @@
               </a:defRPr>
             </a:lvl1pPr>
           </a:lstStyle>
-          <a:p/>
+          <a:p>
+            <a:endParaRPr/>
+          </a:p>
         </p:txBody>
       </p:sp>
       <p:sp>
@@ -1477,7 +1532,9 @@
               <a:defRPr/>
             </a:lvl1pPr>
           </a:lstStyle>
-          <a:p/>
+          <a:p>
+            <a:endParaRPr/>
+          </a:p>
         </p:txBody>
       </p:sp>
       <p:sp>
@@ -1504,7 +1561,9 @@
               </a:defRPr>
             </a:lvl1pPr>
           </a:lstStyle>
-          <a:p/>
+          <a:p>
+            <a:endParaRPr/>
+          </a:p>
         </p:txBody>
       </p:sp>
       <p:sp>
@@ -1534,6 +1593,7 @@
           <a:p>
             <a:fld id="{1D8BD707-D9CF-40AE-B4C6-C98DA3205C09}" type="datetimeFigureOut">
               <a:rPr lang="en-US"/>
+              <a:t>8/17/2023</a:t>
             </a:fld>
             <a:endParaRPr lang="en-US"/>
           </a:p>
@@ -1566,6 +1626,7 @@
           <a:p>
             <a:fld id="{B6F15528-21DE-4FAA-801E-634DDDAF4B2B}" type="slidenum">
               <a:rPr/>
+              <a:t>‹#›</a:t>
             </a:fld>
             <a:endParaRPr/>
           </a:p>
@@ -1621,7 +1682,9 @@
               </a:defRPr>
             </a:lvl1pPr>
           </a:lstStyle>
-          <a:p/>
+          <a:p>
+            <a:endParaRPr/>
+          </a:p>
         </p:txBody>
       </p:sp>
       <p:sp>
@@ -1648,7 +1711,9 @@
               </a:defRPr>
             </a:lvl1pPr>
           </a:lstStyle>
-          <a:p/>
+          <a:p>
+            <a:endParaRPr/>
+          </a:p>
         </p:txBody>
       </p:sp>
       <p:sp>
@@ -1675,7 +1740,9 @@
               </a:defRPr>
             </a:lvl1pPr>
           </a:lstStyle>
-          <a:p/>
+          <a:p>
+            <a:endParaRPr/>
+          </a:p>
         </p:txBody>
       </p:sp>
       <p:sp>
@@ -1705,6 +1772,7 @@
           <a:p>
             <a:fld id="{1D8BD707-D9CF-40AE-B4C6-C98DA3205C09}" type="datetimeFigureOut">
               <a:rPr lang="en-US"/>
+              <a:t>8/17/2023</a:t>
             </a:fld>
             <a:endParaRPr lang="en-US"/>
           </a:p>
@@ -1737,6 +1805,7 @@
           <a:p>
             <a:fld id="{B6F15528-21DE-4FAA-801E-634DDDAF4B2B}" type="slidenum">
               <a:rPr/>
+              <a:t>‹#›</a:t>
             </a:fld>
             <a:endParaRPr/>
           </a:p>
@@ -1792,7 +1861,9 @@
               </a:defRPr>
             </a:lvl1pPr>
           </a:lstStyle>
-          <a:p/>
+          <a:p>
+            <a:endParaRPr/>
+          </a:p>
         </p:txBody>
       </p:sp>
       <p:sp>
@@ -1823,7 +1894,9 @@
               <a:defRPr/>
             </a:lvl1pPr>
           </a:lstStyle>
-          <a:p/>
+          <a:p>
+            <a:endParaRPr/>
+          </a:p>
         </p:txBody>
       </p:sp>
       <p:sp>
@@ -1854,7 +1927,9 @@
               <a:defRPr/>
             </a:lvl1pPr>
           </a:lstStyle>
-          <a:p/>
+          <a:p>
+            <a:endParaRPr/>
+          </a:p>
         </p:txBody>
       </p:sp>
       <p:sp>
@@ -1881,7 +1956,9 @@
               </a:defRPr>
             </a:lvl1pPr>
           </a:lstStyle>
-          <a:p/>
+          <a:p>
+            <a:endParaRPr/>
+          </a:p>
         </p:txBody>
       </p:sp>
       <p:sp>
@@ -1911,6 +1988,7 @@
           <a:p>
             <a:fld id="{1D8BD707-D9CF-40AE-B4C6-C98DA3205C09}" type="datetimeFigureOut">
               <a:rPr lang="en-US"/>
+              <a:t>8/17/2023</a:t>
             </a:fld>
             <a:endParaRPr lang="en-US"/>
           </a:p>
@@ -1943,6 +2021,7 @@
           <a:p>
             <a:fld id="{B6F15528-21DE-4FAA-801E-634DDDAF4B2B}" type="slidenum">
               <a:rPr/>
+              <a:t>‹#›</a:t>
             </a:fld>
             <a:endParaRPr/>
           </a:p>
@@ -1998,7 +2077,9 @@
               </a:defRPr>
             </a:lvl1pPr>
           </a:lstStyle>
-          <a:p/>
+          <a:p>
+            <a:endParaRPr/>
+          </a:p>
         </p:txBody>
       </p:sp>
       <p:sp>
@@ -2025,7 +2106,9 @@
               </a:defRPr>
             </a:lvl1pPr>
           </a:lstStyle>
-          <a:p/>
+          <a:p>
+            <a:endParaRPr/>
+          </a:p>
         </p:txBody>
       </p:sp>
       <p:sp>
@@ -2055,6 +2138,7 @@
           <a:p>
             <a:fld id="{1D8BD707-D9CF-40AE-B4C6-C98DA3205C09}" type="datetimeFigureOut">
               <a:rPr lang="en-US"/>
+              <a:t>8/17/2023</a:t>
             </a:fld>
             <a:endParaRPr lang="en-US"/>
           </a:p>
@@ -2087,6 +2171,7 @@
           <a:p>
             <a:fld id="{B6F15528-21DE-4FAA-801E-634DDDAF4B2B}" type="slidenum">
               <a:rPr/>
+              <a:t>‹#›</a:t>
             </a:fld>
             <a:endParaRPr/>
           </a:p>
@@ -2160,7 +2245,9 @@
               </a:defRPr>
             </a:lvl1pPr>
           </a:lstStyle>
-          <a:p/>
+          <a:p>
+            <a:endParaRPr/>
+          </a:p>
         </p:txBody>
       </p:sp>
       <p:sp>
@@ -2191,7 +2278,9 @@
               <a:defRPr/>
             </a:lvl1pPr>
           </a:lstStyle>
-          <a:p/>
+          <a:p>
+            <a:endParaRPr/>
+          </a:p>
         </p:txBody>
       </p:sp>
       <p:sp>
@@ -2228,7 +2317,9 @@
               </a:defRPr>
             </a:lvl1pPr>
           </a:lstStyle>
-          <a:p/>
+          <a:p>
+            <a:endParaRPr/>
+          </a:p>
         </p:txBody>
       </p:sp>
       <p:sp>
@@ -2268,6 +2359,7 @@
           <a:p>
             <a:fld id="{1D8BD707-D9CF-40AE-B4C6-C98DA3205C09}" type="datetimeFigureOut">
               <a:rPr lang="en-US"/>
+              <a:t>8/17/2023</a:t>
             </a:fld>
             <a:endParaRPr lang="en-US"/>
           </a:p>
@@ -2310,6 +2402,7 @@
           <a:p>
             <a:fld id="{B6F15528-21DE-4FAA-801E-634DDDAF4B2B}" type="slidenum">
               <a:rPr/>
+              <a:t>‹#›</a:t>
             </a:fld>
             <a:endParaRPr/>
           </a:p>
@@ -2529,7 +2622,9 @@
               </a:defRPr>
             </a:lvl1pPr>
           </a:lstStyle>
-          <a:p/>
+          <a:p>
+            <a:endParaRPr/>
+          </a:p>
         </p:txBody>
       </p:sp>
       <p:sp>
@@ -2566,7 +2661,9 @@
               </a:defRPr>
             </a:lvl1pPr>
           </a:lstStyle>
-          <a:p/>
+          <a:p>
+            <a:endParaRPr/>
+          </a:p>
         </p:txBody>
       </p:sp>
       <p:sp>
@@ -2603,7 +2700,9 @@
               </a:defRPr>
             </a:lvl1pPr>
           </a:lstStyle>
-          <a:p/>
+          <a:p>
+            <a:endParaRPr/>
+          </a:p>
         </p:txBody>
       </p:sp>
       <p:sp>
@@ -2643,6 +2742,7 @@
           <a:p>
             <a:fld id="{1D8BD707-D9CF-40AE-B4C6-C98DA3205C09}" type="datetimeFigureOut">
               <a:rPr lang="en-US"/>
+              <a:t>8/17/2023</a:t>
             </a:fld>
             <a:endParaRPr lang="en-US"/>
           </a:p>
@@ -2685,6 +2785,7 @@
           <a:p>
             <a:fld id="{B6F15528-21DE-4FAA-801E-634DDDAF4B2B}" type="slidenum">
               <a:rPr/>
+              <a:t>‹#›</a:t>
             </a:fld>
             <a:endParaRPr/>
           </a:p>
@@ -2972,7 +3073,9 @@
         <p:txBody>
           <a:bodyPr wrap="square" lIns="0" tIns="0" rIns="0" bIns="0" rtlCol="0"/>
           <a:lstStyle/>
-          <a:p/>
+          <a:p>
+            <a:endParaRPr/>
+          </a:p>
         </p:txBody>
       </p:sp>
       <p:sp>
@@ -2988,9 +3091,11 @@
         <p:spPr/>
         <p:txBody>
           <a:bodyPr/>
+          <a:lstStyle/>
           <a:p>
             <a:fld id="{B6F15528-21DE-4FAA-801E-634DDDAF4B2B}" type="slidenum">
               <a:rPr/>
+              <a:t>1</a:t>
             </a:fld>
             <a:endParaRPr/>
           </a:p>
@@ -3093,7 +3198,7 @@
           <p:nvPr/>
         </p:nvPicPr>
         <p:blipFill>
-          <a:blip r:embed="rId1" cstate="print"/>
+          <a:blip r:embed="rId2" cstate="print"/>
           <a:stretch>
             <a:fillRect/>
           </a:stretch>
@@ -3121,9 +3226,11 @@
         <p:spPr/>
         <p:txBody>
           <a:bodyPr/>
+          <a:lstStyle/>
           <a:p>
             <a:fld id="{B6F15528-21DE-4FAA-801E-634DDDAF4B2B}" type="slidenum">
               <a:rPr/>
+              <a:t>10</a:t>
             </a:fld>
             <a:endParaRPr/>
           </a:p>
@@ -3161,7 +3268,7 @@
           <p:nvPr/>
         </p:nvPicPr>
         <p:blipFill>
-          <a:blip r:embed="rId1" cstate="print"/>
+          <a:blip r:embed="rId2" cstate="print"/>
           <a:stretch>
             <a:fillRect/>
           </a:stretch>
@@ -3254,9 +3361,11 @@
         <p:spPr/>
         <p:txBody>
           <a:bodyPr/>
+          <a:lstStyle/>
           <a:p>
             <a:fld id="{B6F15528-21DE-4FAA-801E-634DDDAF4B2B}" type="slidenum">
               <a:rPr/>
+              <a:t>11</a:t>
             </a:fld>
             <a:endParaRPr/>
           </a:p>
@@ -3359,7 +3468,7 @@
           <p:nvPr/>
         </p:nvPicPr>
         <p:blipFill>
-          <a:blip r:embed="rId1" cstate="print"/>
+          <a:blip r:embed="rId2" cstate="print"/>
           <a:stretch>
             <a:fillRect/>
           </a:stretch>
@@ -3387,9 +3496,11 @@
         <p:spPr/>
         <p:txBody>
           <a:bodyPr/>
+          <a:lstStyle/>
           <a:p>
             <a:fld id="{B6F15528-21DE-4FAA-801E-634DDDAF4B2B}" type="slidenum">
               <a:rPr/>
+              <a:t>12</a:t>
             </a:fld>
             <a:endParaRPr/>
           </a:p>
@@ -3517,7 +3628,6 @@
               <a:rPr spc="-50" dirty="0"/>
               <a:t>)</a:t>
             </a:r>
-            <a:endParaRPr spc="-50" dirty="0"/>
           </a:p>
         </p:txBody>
       </p:sp>
@@ -3847,7 +3957,9 @@
         <p:txBody>
           <a:bodyPr wrap="square" lIns="0" tIns="0" rIns="0" bIns="0" rtlCol="0"/>
           <a:lstStyle/>
-          <a:p/>
+          <a:p>
+            <a:endParaRPr/>
+          </a:p>
         </p:txBody>
       </p:sp>
       <p:sp>
@@ -3863,9 +3975,11 @@
         <p:spPr/>
         <p:txBody>
           <a:bodyPr/>
+          <a:lstStyle/>
           <a:p>
             <a:fld id="{B6F15528-21DE-4FAA-801E-634DDDAF4B2B}" type="slidenum">
               <a:rPr/>
+              <a:t>13</a:t>
             </a:fld>
             <a:endParaRPr/>
           </a:p>
@@ -3903,7 +4017,7 @@
           <p:nvPr/>
         </p:nvPicPr>
         <p:blipFill>
-          <a:blip r:embed="rId1" cstate="print"/>
+          <a:blip r:embed="rId2" cstate="print"/>
           <a:stretch>
             <a:fillRect/>
           </a:stretch>
@@ -4016,9 +4130,11 @@
         <p:spPr/>
         <p:txBody>
           <a:bodyPr/>
+          <a:lstStyle/>
           <a:p>
             <a:fld id="{B6F15528-21DE-4FAA-801E-634DDDAF4B2B}" type="slidenum">
               <a:rPr/>
+              <a:t>14</a:t>
             </a:fld>
             <a:endParaRPr/>
           </a:p>
@@ -4056,7 +4172,7 @@
           <p:nvPr/>
         </p:nvPicPr>
         <p:blipFill>
-          <a:blip r:embed="rId1" cstate="print"/>
+          <a:blip r:embed="rId2" cstate="print"/>
           <a:stretch>
             <a:fillRect/>
           </a:stretch>
@@ -4243,9 +4359,11 @@
         <p:spPr/>
         <p:txBody>
           <a:bodyPr/>
+          <a:lstStyle/>
           <a:p>
             <a:fld id="{B6F15528-21DE-4FAA-801E-634DDDAF4B2B}" type="slidenum">
               <a:rPr/>
+              <a:t>15</a:t>
             </a:fld>
             <a:endParaRPr/>
           </a:p>
@@ -4283,7 +4401,7 @@
           <p:nvPr/>
         </p:nvPicPr>
         <p:blipFill>
-          <a:blip r:embed="rId1" cstate="print"/>
+          <a:blip r:embed="rId2" cstate="print"/>
           <a:stretch>
             <a:fillRect/>
           </a:stretch>
@@ -4470,9 +4588,11 @@
         <p:spPr/>
         <p:txBody>
           <a:bodyPr/>
+          <a:lstStyle/>
           <a:p>
             <a:fld id="{B6F15528-21DE-4FAA-801E-634DDDAF4B2B}" type="slidenum">
               <a:rPr/>
+              <a:t>2</a:t>
             </a:fld>
             <a:endParaRPr/>
           </a:p>
@@ -4510,7 +4630,7 @@
           <p:nvPr/>
         </p:nvPicPr>
         <p:blipFill>
-          <a:blip r:embed="rId1" cstate="print"/>
+          <a:blip r:embed="rId2" cstate="print"/>
           <a:stretch>
             <a:fillRect/>
           </a:stretch>
@@ -4578,7 +4698,6 @@
               <a:rPr spc="-10" dirty="0"/>
               <a:t>Headers</a:t>
             </a:r>
-            <a:endParaRPr spc="-10" dirty="0"/>
           </a:p>
         </p:txBody>
       </p:sp>
@@ -4595,9 +4714,11 @@
         <p:spPr/>
         <p:txBody>
           <a:bodyPr/>
+          <a:lstStyle/>
           <a:p>
             <a:fld id="{B6F15528-21DE-4FAA-801E-634DDDAF4B2B}" type="slidenum">
               <a:rPr/>
+              <a:t>3</a:t>
             </a:fld>
             <a:endParaRPr/>
           </a:p>
@@ -5255,7 +5376,9 @@
         <p:txBody>
           <a:bodyPr wrap="square" lIns="0" tIns="0" rIns="0" bIns="0" rtlCol="0"/>
           <a:lstStyle/>
-          <a:p/>
+          <a:p>
+            <a:endParaRPr/>
+          </a:p>
         </p:txBody>
       </p:sp>
       <p:sp>
@@ -5271,9 +5394,11 @@
         <p:spPr/>
         <p:txBody>
           <a:bodyPr/>
+          <a:lstStyle/>
           <a:p>
             <a:fld id="{B6F15528-21DE-4FAA-801E-634DDDAF4B2B}" type="slidenum">
               <a:rPr/>
+              <a:t>4</a:t>
             </a:fld>
             <a:endParaRPr/>
           </a:p>
@@ -5311,7 +5436,7 @@
           <p:nvPr/>
         </p:nvPicPr>
         <p:blipFill>
-          <a:blip r:embed="rId1" cstate="print"/>
+          <a:blip r:embed="rId2" cstate="print"/>
           <a:stretch>
             <a:fillRect/>
           </a:stretch>
@@ -5356,14 +5481,14 @@
               </a:spcBef>
             </a:pPr>
             <a:r>
-              <a:rPr sz="3600" dirty="0">
+              <a:rPr lang="en-US" sz="3600" dirty="0">
                 <a:solidFill>
                   <a:srgbClr val="FFFFFF"/>
                 </a:solidFill>
                 <a:latin typeface="Verdana" panose="020B0604030504040204"/>
                 <a:cs typeface="Verdana" panose="020B0604030504040204"/>
               </a:rPr>
-              <a:t>Assisted Practice</a:t>
+              <a:t>Demo</a:t>
             </a:r>
             <a:endParaRPr sz="3600" dirty="0">
               <a:solidFill>
@@ -5388,9 +5513,11 @@
         <p:spPr/>
         <p:txBody>
           <a:bodyPr/>
+          <a:lstStyle/>
           <a:p>
             <a:fld id="{B6F15528-21DE-4FAA-801E-634DDDAF4B2B}" type="slidenum">
               <a:rPr/>
+              <a:t>5</a:t>
             </a:fld>
             <a:endParaRPr/>
           </a:p>
@@ -5419,6 +5546,7 @@
           <a:bodyPr vert="horz" wrap="square" lIns="0" tIns="12065" rIns="0" bIns="0" rtlCol="0">
             <a:spAutoFit/>
           </a:bodyPr>
+          <a:lstStyle/>
           <a:p>
             <a:pPr marL="12700">
               <a:lnSpc>
@@ -5432,7 +5560,6 @@
               <a:rPr sz="2800" dirty="0"/>
               <a:t>Reading HTTP Headers</a:t>
             </a:r>
-            <a:endParaRPr sz="2800" dirty="0"/>
           </a:p>
         </p:txBody>
       </p:sp>
@@ -5522,7 +5649,6 @@
               <a:rPr spc="-10" dirty="0"/>
               <a:t>Headers</a:t>
             </a:r>
-            <a:endParaRPr spc="-10" dirty="0"/>
           </a:p>
         </p:txBody>
       </p:sp>
@@ -5533,7 +5659,7 @@
           <p:nvPr/>
         </p:nvPicPr>
         <p:blipFill>
-          <a:blip r:embed="rId1" cstate="print"/>
+          <a:blip r:embed="rId2" cstate="print"/>
           <a:stretch>
             <a:fillRect/>
           </a:stretch>
@@ -5561,9 +5687,11 @@
         <p:spPr/>
         <p:txBody>
           <a:bodyPr/>
+          <a:lstStyle/>
           <a:p>
             <a:fld id="{B6F15528-21DE-4FAA-801E-634DDDAF4B2B}" type="slidenum">
               <a:rPr/>
+              <a:t>6</a:t>
             </a:fld>
             <a:endParaRPr/>
           </a:p>
@@ -5752,7 +5880,9 @@
         <p:txBody>
           <a:bodyPr wrap="square" lIns="0" tIns="0" rIns="0" bIns="0" rtlCol="0"/>
           <a:lstStyle/>
-          <a:p/>
+          <a:p>
+            <a:endParaRPr/>
+          </a:p>
         </p:txBody>
       </p:sp>
       <p:sp>
@@ -5876,7 +6006,7 @@
               </a:rPr>
               <a:t>value)</a:t>
             </a:r>
-            <a:endParaRPr sz="2000">
+            <a:endParaRPr sz="2000" dirty="0">
               <a:latin typeface="Verdana" panose="020B0604030504040204"/>
               <a:cs typeface="Verdana" panose="020B0604030504040204"/>
             </a:endParaRPr>
@@ -5951,11 +6081,32 @@
               <a:t> </a:t>
             </a:r>
             <a:r>
+              <a:rPr sz="2000" spc="5" dirty="0" err="1">
+                <a:latin typeface="Verdana" panose="020B0604030504040204"/>
+                <a:cs typeface="Verdana" panose="020B0604030504040204"/>
+              </a:rPr>
+              <a:t>setContentLe</a:t>
+            </a:r>
+            <a:r>
+              <a:rPr lang="en-US" sz="2000" spc="5" dirty="0" err="1">
+                <a:latin typeface="Verdana" panose="020B0604030504040204"/>
+                <a:cs typeface="Verdana" panose="020B0604030504040204"/>
+              </a:rPr>
+              <a:t>n</a:t>
+            </a:r>
+            <a:r>
+              <a:rPr sz="2000" spc="5" dirty="0" err="1">
+                <a:latin typeface="Verdana" panose="020B0604030504040204"/>
+                <a:cs typeface="Verdana" panose="020B0604030504040204"/>
+              </a:rPr>
+              <a:t>gth</a:t>
+            </a:r>
+            <a:r>
               <a:rPr sz="2000" spc="5" dirty="0">
                 <a:latin typeface="Verdana" panose="020B0604030504040204"/>
                 <a:cs typeface="Verdana" panose="020B0604030504040204"/>
               </a:rPr>
-              <a:t>setContentLegth(int </a:t>
+              <a:t>(int </a:t>
             </a:r>
             <a:r>
               <a:rPr sz="2000" spc="-25" dirty="0">
@@ -6006,7 +6157,7 @@
               </a:rPr>
               <a:t>loc)</a:t>
             </a:r>
-            <a:endParaRPr sz="2000">
+            <a:endParaRPr sz="2000" dirty="0">
               <a:latin typeface="Verdana" panose="020B0604030504040204"/>
               <a:cs typeface="Verdana" panose="020B0604030504040204"/>
             </a:endParaRPr>
@@ -6026,9 +6177,11 @@
         <p:spPr/>
         <p:txBody>
           <a:bodyPr/>
+          <a:lstStyle/>
           <a:p>
             <a:fld id="{B6F15528-21DE-4FAA-801E-634DDDAF4B2B}" type="slidenum">
               <a:rPr/>
+              <a:t>7</a:t>
             </a:fld>
             <a:endParaRPr/>
           </a:p>
@@ -6066,7 +6219,7 @@
           <p:nvPr/>
         </p:nvPicPr>
         <p:blipFill>
-          <a:blip r:embed="rId1" cstate="print"/>
+          <a:blip r:embed="rId2" cstate="print"/>
           <a:stretch>
             <a:fillRect/>
           </a:stretch>
@@ -6111,14 +6264,14 @@
               </a:spcBef>
             </a:pPr>
             <a:r>
-              <a:rPr sz="3600" dirty="0">
+              <a:rPr lang="en-US" sz="3600" dirty="0">
                 <a:solidFill>
                   <a:srgbClr val="FFFFFF"/>
                 </a:solidFill>
                 <a:latin typeface="Verdana" panose="020B0604030504040204"/>
                 <a:cs typeface="Verdana" panose="020B0604030504040204"/>
               </a:rPr>
-              <a:t>Assisted Practice</a:t>
+              <a:t>Demo</a:t>
             </a:r>
             <a:endParaRPr sz="3600" dirty="0">
               <a:solidFill>
@@ -6143,9 +6296,11 @@
         <p:spPr/>
         <p:txBody>
           <a:bodyPr/>
+          <a:lstStyle/>
           <a:p>
             <a:fld id="{B6F15528-21DE-4FAA-801E-634DDDAF4B2B}" type="slidenum">
               <a:rPr/>
+              <a:t>8</a:t>
             </a:fld>
             <a:endParaRPr/>
           </a:p>
@@ -6174,6 +6329,7 @@
           <a:bodyPr vert="horz" wrap="square" lIns="0" tIns="12065" rIns="0" bIns="0" rtlCol="0">
             <a:spAutoFit/>
           </a:bodyPr>
+          <a:lstStyle/>
           <a:p>
             <a:pPr marL="12700">
               <a:lnSpc>
@@ -6302,7 +6458,7 @@
             <p:nvPr/>
           </p:nvPicPr>
           <p:blipFill>
-            <a:blip r:embed="rId1" cstate="print"/>
+            <a:blip r:embed="rId2" cstate="print"/>
             <a:stretch>
               <a:fillRect/>
             </a:stretch>
@@ -6324,7 +6480,7 @@
             <p:nvPr/>
           </p:nvPicPr>
           <p:blipFill>
-            <a:blip r:embed="rId2" cstate="print"/>
+            <a:blip r:embed="rId3" cstate="print"/>
             <a:stretch>
               <a:fillRect/>
             </a:stretch>
@@ -6346,7 +6502,7 @@
             <p:nvPr/>
           </p:nvPicPr>
           <p:blipFill>
-            <a:blip r:embed="rId3" cstate="print"/>
+            <a:blip r:embed="rId4" cstate="print"/>
             <a:stretch>
               <a:fillRect/>
             </a:stretch>
@@ -6368,7 +6524,7 @@
             <p:nvPr/>
           </p:nvPicPr>
           <p:blipFill>
-            <a:blip r:embed="rId4" cstate="print"/>
+            <a:blip r:embed="rId5" cstate="print"/>
             <a:stretch>
               <a:fillRect/>
             </a:stretch>
@@ -6390,7 +6546,7 @@
             <p:nvPr/>
           </p:nvPicPr>
           <p:blipFill>
-            <a:blip r:embed="rId5" cstate="print"/>
+            <a:blip r:embed="rId6" cstate="print"/>
             <a:stretch>
               <a:fillRect/>
             </a:stretch>
@@ -6419,9 +6575,11 @@
         <p:spPr/>
         <p:txBody>
           <a:bodyPr/>
+          <a:lstStyle/>
           <a:p>
             <a:fld id="{B6F15528-21DE-4FAA-801E-634DDDAF4B2B}" type="slidenum">
               <a:rPr/>
+              <a:t>9</a:t>
             </a:fld>
             <a:endParaRPr/>
           </a:p>
@@ -6713,6 +6871,8 @@
       </a:bgFillStyleLst>
     </a:fmtScheme>
   </a:themeElements>
+  <a:objectDefaults/>
+  <a:extraClrSchemeLst/>
   <a:extLst>
     <a:ext uri="{05A4C25C-085E-4340-85A3-A5531E510DB2}">
       <thm15:themeFamily xmlns:thm15="http://schemas.microsoft.com/office/thememl/2012/main" name="Office Theme" id="{62F939B6-93AF-4DB8-9C6B-D6C7DFDC589F}" vid="{4A3C46E8-61CC-4603-A589-7422A47A8E4A}"/>
@@ -6999,6 +7159,8 @@
       </a:bgFillStyleLst>
     </a:fmtScheme>
   </a:themeElements>
+  <a:objectDefaults/>
+  <a:extraClrSchemeLst/>
   <a:extLst>
     <a:ext uri="{05A4C25C-085E-4340-85A3-A5531E510DB2}">
       <thm15:themeFamily xmlns:thm15="http://schemas.microsoft.com/office/thememl/2012/main" name="Office Theme" id="{62F939B6-93AF-4DB8-9C6B-D6C7DFDC589F}" vid="{4A3C46E8-61CC-4603-A589-7422A47A8E4A}"/>
@@ -7258,6 +7420,8 @@
       </a:bgFillStyleLst>
     </a:fmtScheme>
   </a:themeElements>
+  <a:objectDefaults/>
+  <a:extraClrSchemeLst/>
   <a:extLst>
     <a:ext uri="{05A4C25C-085E-4340-85A3-A5531E510DB2}">
       <thm15:themeFamily xmlns:thm15="http://schemas.microsoft.com/office/thememl/2012/main" name="Office Theme" id="{62F939B6-93AF-4DB8-9C6B-D6C7DFDC589F}" vid="{4A3C46E8-61CC-4603-A589-7422A47A8E4A}"/>
